--- a/Docsx/APC - ppt.pptx
+++ b/Docsx/APC - ppt.pptx
@@ -5,19 +5,20 @@
     <p:sldMasterId id="2147483648" r:id="rId1"/>
   </p:sldMasterIdLst>
   <p:notesMasterIdLst>
-    <p:notesMasterId r:id="rId12"/>
+    <p:notesMasterId r:id="rId13"/>
   </p:notesMasterIdLst>
   <p:sldIdLst>
     <p:sldId id="264" r:id="rId2"/>
     <p:sldId id="257" r:id="rId3"/>
     <p:sldId id="272" r:id="rId4"/>
-    <p:sldId id="258" r:id="rId5"/>
-    <p:sldId id="273" r:id="rId6"/>
-    <p:sldId id="269" r:id="rId7"/>
-    <p:sldId id="266" r:id="rId8"/>
-    <p:sldId id="260" r:id="rId9"/>
-    <p:sldId id="271" r:id="rId10"/>
-    <p:sldId id="263" r:id="rId11"/>
+    <p:sldId id="274" r:id="rId5"/>
+    <p:sldId id="258" r:id="rId6"/>
+    <p:sldId id="273" r:id="rId7"/>
+    <p:sldId id="269" r:id="rId8"/>
+    <p:sldId id="266" r:id="rId9"/>
+    <p:sldId id="260" r:id="rId10"/>
+    <p:sldId id="271" r:id="rId11"/>
+    <p:sldId id="263" r:id="rId12"/>
   </p:sldIdLst>
   <p:sldSz cx="9144000" cy="6858000" type="screen4x3"/>
   <p:notesSz cx="6858000" cy="9144000"/>
@@ -7152,6 +7153,250 @@
   <p:cSld>
     <p:spTree>
       <p:nvGrpSpPr>
+        <p:cNvPr id="1" name="Shape 76"/>
+        <p:cNvGrpSpPr/>
+        <p:nvPr/>
+      </p:nvGrpSpPr>
+      <p:grpSpPr>
+        <a:xfrm>
+          <a:off x="0" y="0"/>
+          <a:ext cx="0" cy="0"/>
+          <a:chOff x="0" y="0"/>
+          <a:chExt cx="0" cy="0"/>
+        </a:xfrm>
+      </p:grpSpPr>
+      <p:sp>
+        <p:nvSpPr>
+          <p:cNvPr id="77" name="Google Shape;77;p2"/>
+          <p:cNvSpPr txBox="1">
+            <a:spLocks noGrp="1"/>
+          </p:cNvSpPr>
+          <p:nvPr>
+            <p:ph type="title"/>
+          </p:nvPr>
+        </p:nvSpPr>
+        <p:spPr>
+          <a:xfrm>
+            <a:off x="0" y="1"/>
+            <a:ext cx="6553200" cy="815248"/>
+          </a:xfrm>
+          <a:prstGeom prst="rect">
+            <a:avLst/>
+          </a:prstGeom>
+          <a:noFill/>
+          <a:ln>
+            <a:noFill/>
+          </a:ln>
+        </p:spPr>
+        <p:txBody>
+          <a:bodyPr spcFirstLastPara="1" wrap="square" lIns="91425" tIns="45700" rIns="91425" bIns="45700" anchor="ctr" anchorCtr="0">
+            <a:noAutofit/>
+          </a:bodyPr>
+          <a:lstStyle/>
+          <a:p>
+            <a:pPr marL="0" lvl="0" indent="0" algn="ctr" rtl="0">
+              <a:lnSpc>
+                <a:spcPct val="100000"/>
+              </a:lnSpc>
+              <a:spcBef>
+                <a:spcPts val="0"/>
+              </a:spcBef>
+              <a:spcAft>
+                <a:spcPts val="0"/>
+              </a:spcAft>
+              <a:buSzPts val="1400"/>
+              <a:buNone/>
+            </a:pPr>
+            <a:r>
+              <a:rPr lang="en-US" sz="3200" b="1" dirty="0">
+                <a:solidFill>
+                  <a:srgbClr val="0C0C0C"/>
+                </a:solidFill>
+                <a:latin typeface="Times New Roman" panose="02020603050405020304"/>
+                <a:ea typeface="Times New Roman" panose="02020603050405020304"/>
+                <a:cs typeface="Times New Roman" panose="02020603050405020304"/>
+                <a:sym typeface="Times New Roman" panose="02020603050405020304"/>
+              </a:rPr>
+              <a:t>References</a:t>
+            </a:r>
+            <a:endParaRPr sz="3200" b="1" dirty="0">
+              <a:solidFill>
+                <a:srgbClr val="0C0C0C"/>
+              </a:solidFill>
+              <a:latin typeface="Times New Roman" panose="02020603050405020304"/>
+              <a:ea typeface="Times New Roman" panose="02020603050405020304"/>
+              <a:cs typeface="Times New Roman" panose="02020603050405020304"/>
+              <a:sym typeface="Times New Roman" panose="02020603050405020304"/>
+            </a:endParaRPr>
+          </a:p>
+        </p:txBody>
+      </p:sp>
+      <p:sp>
+        <p:nvSpPr>
+          <p:cNvPr id="78" name="Google Shape;78;p2"/>
+          <p:cNvSpPr txBox="1">
+            <a:spLocks noGrp="1"/>
+          </p:cNvSpPr>
+          <p:nvPr>
+            <p:ph type="body" idx="1"/>
+          </p:nvPr>
+        </p:nvSpPr>
+        <p:spPr>
+          <a:xfrm>
+            <a:off x="164891" y="2038120"/>
+            <a:ext cx="8844197" cy="4318230"/>
+          </a:xfrm>
+          <a:prstGeom prst="rect">
+            <a:avLst/>
+          </a:prstGeom>
+          <a:noFill/>
+          <a:ln>
+            <a:noFill/>
+          </a:ln>
+        </p:spPr>
+        <p:txBody>
+          <a:bodyPr spcFirstLastPara="1" wrap="square" lIns="91425" tIns="45700" rIns="91425" bIns="45700" anchor="t" anchorCtr="0">
+            <a:noAutofit/>
+          </a:bodyPr>
+          <a:lstStyle/>
+          <a:p>
+            <a:pPr lvl="0">
+              <a:buFont typeface="Wingdings" panose="05000000000000000000" pitchFamily="2" charset="2"/>
+              <a:buChar char="q"/>
+            </a:pPr>
+            <a:r>
+              <a:rPr lang="en-IN" sz="2400" dirty="0">
+                <a:hlinkClick r:id="rId3"/>
+              </a:rPr>
+              <a:t>Build a Smart Expense Tracker with Java, Spring Boot &amp; OpenAI GPT: A Full Guide | by Lahiru Sandaruwan </a:t>
+            </a:r>
+            <a:r>
+              <a:rPr lang="en-IN" sz="2400" dirty="0" err="1">
+                <a:hlinkClick r:id="rId3"/>
+              </a:rPr>
+              <a:t>Premathilaka</a:t>
+            </a:r>
+            <a:r>
+              <a:rPr lang="en-IN" sz="2400" dirty="0">
+                <a:hlinkClick r:id="rId3"/>
+              </a:rPr>
+              <a:t> | Medium</a:t>
+            </a:r>
+            <a:endParaRPr lang="en-IN" sz="2400" dirty="0">
+              <a:latin typeface="Times New Roman" panose="02020603050405020304"/>
+              <a:ea typeface="Times New Roman" panose="02020603050405020304"/>
+              <a:cs typeface="Times New Roman" panose="02020603050405020304"/>
+              <a:sym typeface="Times New Roman" panose="02020603050405020304"/>
+              <a:hlinkClick r:id="rId4"/>
+            </a:endParaRPr>
+          </a:p>
+          <a:p>
+            <a:pPr lvl="0">
+              <a:buFont typeface="Wingdings" panose="05000000000000000000" pitchFamily="2" charset="2"/>
+              <a:buChar char="q"/>
+            </a:pPr>
+            <a:r>
+              <a:rPr lang="en-US" sz="2400" dirty="0">
+                <a:hlinkClick r:id="rId5"/>
+              </a:rPr>
+              <a:t>Daily Expense Tracker System In Spring Boot and Hibernate With Source Code – </a:t>
+            </a:r>
+            <a:r>
+              <a:rPr lang="en-US" sz="2400" dirty="0" err="1">
+                <a:hlinkClick r:id="rId5"/>
+              </a:rPr>
+              <a:t>Codebun</a:t>
+            </a:r>
+            <a:endParaRPr lang="en-IN" sz="2400" dirty="0">
+              <a:latin typeface="Times New Roman" panose="02020603050405020304"/>
+              <a:ea typeface="Times New Roman" panose="02020603050405020304"/>
+              <a:cs typeface="Times New Roman" panose="02020603050405020304"/>
+              <a:sym typeface="Times New Roman" panose="02020603050405020304"/>
+            </a:endParaRPr>
+          </a:p>
+          <a:p>
+            <a:pPr lvl="0">
+              <a:buFont typeface="Wingdings" panose="05000000000000000000" pitchFamily="2" charset="2"/>
+              <a:buChar char="q"/>
+            </a:pPr>
+            <a:r>
+              <a:rPr lang="en-US" sz="2400" dirty="0">
+                <a:hlinkClick r:id="rId6"/>
+              </a:rPr>
+              <a:t>Spring Boot Project | Expense Tracker | Spring Boot Full Course | Project - 1</a:t>
+            </a:r>
+            <a:endParaRPr sz="2000" dirty="0">
+              <a:latin typeface="Times New Roman" panose="02020603050405020304"/>
+              <a:ea typeface="Times New Roman" panose="02020603050405020304"/>
+              <a:cs typeface="Times New Roman" panose="02020603050405020304"/>
+              <a:sym typeface="Times New Roman" panose="02020603050405020304"/>
+            </a:endParaRPr>
+          </a:p>
+        </p:txBody>
+      </p:sp>
+      <p:sp>
+        <p:nvSpPr>
+          <p:cNvPr id="79" name="Google Shape;79;p2"/>
+          <p:cNvSpPr txBox="1">
+            <a:spLocks noGrp="1"/>
+          </p:cNvSpPr>
+          <p:nvPr>
+            <p:ph type="sldNum" idx="12"/>
+          </p:nvPr>
+        </p:nvSpPr>
+        <p:spPr>
+          <a:xfrm>
+            <a:off x="6553200" y="6356350"/>
+            <a:ext cx="2133600" cy="365125"/>
+          </a:xfrm>
+          <a:prstGeom prst="rect">
+            <a:avLst/>
+          </a:prstGeom>
+          <a:noFill/>
+          <a:ln>
+            <a:noFill/>
+          </a:ln>
+        </p:spPr>
+        <p:txBody>
+          <a:bodyPr spcFirstLastPara="1" wrap="square" lIns="91425" tIns="45700" rIns="91425" bIns="45700" anchor="ctr" anchorCtr="0">
+            <a:noAutofit/>
+          </a:bodyPr>
+          <a:lstStyle/>
+          <a:p>
+            <a:pPr marL="0" lvl="0" indent="0" algn="r" rtl="0">
+              <a:lnSpc>
+                <a:spcPct val="100000"/>
+              </a:lnSpc>
+              <a:spcBef>
+                <a:spcPts val="0"/>
+              </a:spcBef>
+              <a:spcAft>
+                <a:spcPts val="0"/>
+              </a:spcAft>
+              <a:buSzPts val="1200"/>
+              <a:buNone/>
+            </a:pPr>
+            <a:fld id="{00000000-1234-1234-1234-123412341234}" type="slidenum">
+              <a:rPr lang="en-US"/>
+              <a:t>10</a:t>
+            </a:fld>
+            <a:endParaRPr lang="en-US"/>
+          </a:p>
+        </p:txBody>
+      </p:sp>
+    </p:spTree>
+  </p:cSld>
+  <p:clrMapOvr>
+    <a:masterClrMapping/>
+  </p:clrMapOvr>
+</p:sld>
+</file>
+
+<file path=ppt/slides/slide11.xml><?xml version="1.0" encoding="utf-8"?>
+<p:sld xmlns:a="http://schemas.openxmlformats.org/drawingml/2006/main" xmlns:r="http://schemas.openxmlformats.org/officeDocument/2006/relationships" xmlns:p="http://schemas.openxmlformats.org/presentationml/2006/main">
+  <p:cSld>
+    <p:spTree>
+      <p:nvGrpSpPr>
         <p:cNvPr id="1" name="Shape 101"/>
         <p:cNvGrpSpPr/>
         <p:nvPr/>
@@ -7208,7 +7453,7 @@
             </a:pPr>
             <a:fld id="{00000000-1234-1234-1234-123412341234}" type="slidenum">
               <a:rPr lang="en-US"/>
-              <a:t>10</a:t>
+              <a:t>11</a:t>
             </a:fld>
             <a:endParaRPr lang="en-US"/>
           </a:p>
@@ -7582,6 +7827,220 @@
   <p:cSld>
     <p:spTree>
       <p:nvGrpSpPr>
+        <p:cNvPr id="1" name=""/>
+        <p:cNvGrpSpPr/>
+        <p:nvPr/>
+      </p:nvGrpSpPr>
+      <p:grpSpPr>
+        <a:xfrm>
+          <a:off x="0" y="0"/>
+          <a:ext cx="0" cy="0"/>
+          <a:chOff x="0" y="0"/>
+          <a:chExt cx="0" cy="0"/>
+        </a:xfrm>
+      </p:grpSpPr>
+      <p:sp>
+        <p:nvSpPr>
+          <p:cNvPr id="2" name="Title 1">
+            <a:extLst>
+              <a:ext uri="{FF2B5EF4-FFF2-40B4-BE49-F238E27FC236}">
+                <a16:creationId xmlns:a16="http://schemas.microsoft.com/office/drawing/2014/main" id="{25612E2E-9A14-A66A-4388-2D44B9046762}"/>
+              </a:ext>
+            </a:extLst>
+          </p:cNvPr>
+          <p:cNvSpPr>
+            <a:spLocks noGrp="1"/>
+          </p:cNvSpPr>
+          <p:nvPr>
+            <p:ph type="title"/>
+          </p:nvPr>
+        </p:nvSpPr>
+        <p:spPr/>
+        <p:txBody>
+          <a:bodyPr/>
+          <a:lstStyle/>
+          <a:p>
+            <a:r>
+              <a:rPr lang="en-IN" dirty="0"/>
+              <a:t>System Overview</a:t>
+            </a:r>
+          </a:p>
+        </p:txBody>
+      </p:sp>
+      <p:sp>
+        <p:nvSpPr>
+          <p:cNvPr id="3" name="Text Placeholder 2">
+            <a:extLst>
+              <a:ext uri="{FF2B5EF4-FFF2-40B4-BE49-F238E27FC236}">
+                <a16:creationId xmlns:a16="http://schemas.microsoft.com/office/drawing/2014/main" id="{760EF40F-46A9-D444-DF48-30E67F156285}"/>
+              </a:ext>
+            </a:extLst>
+          </p:cNvPr>
+          <p:cNvSpPr>
+            <a:spLocks noGrp="1"/>
+          </p:cNvSpPr>
+          <p:nvPr>
+            <p:ph type="body" idx="1"/>
+          </p:nvPr>
+        </p:nvSpPr>
+        <p:spPr/>
+        <p:txBody>
+          <a:bodyPr/>
+          <a:lstStyle/>
+          <a:p>
+            <a:endParaRPr lang="en-US" sz="2000" dirty="0"/>
+          </a:p>
+          <a:p>
+            <a:r>
+              <a:rPr lang="en-US" sz="2000" b="1" dirty="0"/>
+              <a:t>RESTful API Controller</a:t>
+            </a:r>
+            <a:r>
+              <a:rPr lang="en-US" sz="2000" dirty="0"/>
+              <a:t> - Handles HTTP requests for </a:t>
+            </a:r>
+            <a:r>
+              <a:rPr lang="en-US" sz="2000" dirty="0" err="1"/>
+              <a:t>companymanagement</a:t>
+            </a:r>
+            <a:r>
+              <a:rPr lang="en-US" sz="2000" dirty="0"/>
+              <a:t> operations at /</a:t>
+            </a:r>
+            <a:r>
+              <a:rPr lang="en-US" sz="2000" dirty="0" err="1"/>
+              <a:t>api</a:t>
+            </a:r>
+            <a:r>
+              <a:rPr lang="en-US" sz="2000" dirty="0"/>
+              <a:t>/companies endpoint</a:t>
+            </a:r>
+          </a:p>
+          <a:p>
+            <a:r>
+              <a:rPr lang="en-US" sz="2000" b="1" dirty="0"/>
+              <a:t>CRUD Operations</a:t>
+            </a:r>
+            <a:r>
+              <a:rPr lang="en-US" sz="2000" dirty="0"/>
+              <a:t> - Provides complete Create, Read, Update, Delete functionality for company entities</a:t>
+            </a:r>
+          </a:p>
+          <a:p>
+            <a:r>
+              <a:rPr lang="en-US" sz="2000" b="1" dirty="0"/>
+              <a:t>Standard HTTP Methods</a:t>
+            </a:r>
+            <a:r>
+              <a:rPr lang="en-US" sz="2000" dirty="0"/>
+              <a:t> - Maps POST (create), GET (read), PUT (update), DELETE (remove) operations with appropriate response codes</a:t>
+            </a:r>
+          </a:p>
+          <a:p>
+            <a:r>
+              <a:rPr lang="en-US" sz="2000" dirty="0"/>
+              <a:t> </a:t>
+            </a:r>
+            <a:r>
+              <a:rPr lang="en-US" sz="2000" b="1" dirty="0"/>
+              <a:t>Path Variable Support</a:t>
+            </a:r>
+            <a:r>
+              <a:rPr lang="en-US" sz="2000" dirty="0"/>
+              <a:t> - Uses /{id} for specific company operations and supports both single company and all companies retrieval</a:t>
+            </a:r>
+          </a:p>
+          <a:p>
+            <a:r>
+              <a:rPr lang="en-US" sz="2000" b="1" dirty="0"/>
+              <a:t>DTO Pattern Implementation</a:t>
+            </a:r>
+            <a:r>
+              <a:rPr lang="en-US" sz="2000" dirty="0"/>
+              <a:t> - Uses </a:t>
+            </a:r>
+            <a:r>
+              <a:rPr lang="en-US" sz="2000" u="sng" dirty="0" err="1">
+                <a:hlinkClick r:id="rId2"/>
+              </a:rPr>
+              <a:t>CompanyDto</a:t>
+            </a:r>
+            <a:r>
+              <a:rPr lang="en-US" sz="2000" dirty="0"/>
+              <a:t> for data transfer, delegating business logic to </a:t>
+            </a:r>
+            <a:r>
+              <a:rPr lang="en-US" sz="2000" u="sng" dirty="0" err="1">
+                <a:hlinkClick r:id="rId2"/>
+              </a:rPr>
+              <a:t>CompanyService</a:t>
+            </a:r>
+            <a:r>
+              <a:rPr lang="en-US" sz="2000" dirty="0"/>
+              <a:t> layer for clean separation of concerns</a:t>
+            </a:r>
+          </a:p>
+          <a:p>
+            <a:endParaRPr lang="en-IN" sz="2000" dirty="0"/>
+          </a:p>
+        </p:txBody>
+      </p:sp>
+      <p:sp>
+        <p:nvSpPr>
+          <p:cNvPr id="4" name="Slide Number Placeholder 3">
+            <a:extLst>
+              <a:ext uri="{FF2B5EF4-FFF2-40B4-BE49-F238E27FC236}">
+                <a16:creationId xmlns:a16="http://schemas.microsoft.com/office/drawing/2014/main" id="{1DA4FBC8-C42D-1638-AA8A-50B601E7FF81}"/>
+              </a:ext>
+            </a:extLst>
+          </p:cNvPr>
+          <p:cNvSpPr>
+            <a:spLocks noGrp="1"/>
+          </p:cNvSpPr>
+          <p:nvPr>
+            <p:ph type="sldNum" idx="12"/>
+          </p:nvPr>
+        </p:nvSpPr>
+        <p:spPr/>
+        <p:txBody>
+          <a:bodyPr/>
+          <a:lstStyle/>
+          <a:p>
+            <a:pPr marL="0" lvl="0" indent="0" algn="r" rtl="0">
+              <a:spcBef>
+                <a:spcPts val="0"/>
+              </a:spcBef>
+              <a:spcAft>
+                <a:spcPts val="0"/>
+              </a:spcAft>
+              <a:buNone/>
+            </a:pPr>
+            <a:fld id="{00000000-1234-1234-1234-123412341234}" type="slidenum">
+              <a:rPr lang="en-US" smtClean="0"/>
+              <a:t>4</a:t>
+            </a:fld>
+            <a:endParaRPr lang="en-US"/>
+          </a:p>
+        </p:txBody>
+      </p:sp>
+    </p:spTree>
+    <p:extLst>
+      <p:ext uri="{BB962C8B-B14F-4D97-AF65-F5344CB8AC3E}">
+        <p14:creationId xmlns:p14="http://schemas.microsoft.com/office/powerpoint/2010/main" val="3807987968"/>
+      </p:ext>
+    </p:extLst>
+  </p:cSld>
+  <p:clrMapOvr>
+    <a:masterClrMapping/>
+  </p:clrMapOvr>
+</p:sld>
+</file>
+
+<file path=ppt/slides/slide5.xml><?xml version="1.0" encoding="utf-8"?>
+<p:sld xmlns:a="http://schemas.openxmlformats.org/drawingml/2006/main" xmlns:r="http://schemas.openxmlformats.org/officeDocument/2006/relationships" xmlns:p="http://schemas.openxmlformats.org/presentationml/2006/main">
+  <p:cSld>
+    <p:spTree>
+      <p:nvGrpSpPr>
         <p:cNvPr id="1" name="Shape 59"/>
         <p:cNvGrpSpPr/>
         <p:nvPr/>
@@ -7704,7 +8163,7 @@
             </a:pPr>
             <a:fld id="{00000000-1234-1234-1234-123412341234}" type="slidenum">
               <a:rPr lang="en-US"/>
-              <a:t>4</a:t>
+              <a:t>5</a:t>
             </a:fld>
             <a:endParaRPr lang="en-US"/>
           </a:p>
@@ -7832,7 +8291,7 @@
 </p:sld>
 </file>
 
-<file path=ppt/slides/slide5.xml><?xml version="1.0" encoding="utf-8"?>
+<file path=ppt/slides/slide6.xml><?xml version="1.0" encoding="utf-8"?>
 <p:sld xmlns:a="http://schemas.openxmlformats.org/drawingml/2006/main" xmlns:r="http://schemas.openxmlformats.org/officeDocument/2006/relationships" xmlns:p="http://schemas.openxmlformats.org/presentationml/2006/main">
   <p:cSld>
     <p:spTree>
@@ -7934,7 +8393,7 @@
 </p:sld>
 </file>
 
-<file path=ppt/slides/slide6.xml><?xml version="1.0" encoding="utf-8"?>
+<file path=ppt/slides/slide7.xml><?xml version="1.0" encoding="utf-8"?>
 <p:sld xmlns:a="http://schemas.openxmlformats.org/drawingml/2006/main" xmlns:r="http://schemas.openxmlformats.org/officeDocument/2006/relationships" xmlns:p="http://schemas.openxmlformats.org/presentationml/2006/main">
   <p:cSld>
     <p:spTree>
@@ -8110,7 +8569,7 @@
             </a:pPr>
             <a:fld id="{00000000-1234-1234-1234-123412341234}" type="slidenum">
               <a:rPr lang="en-US"/>
-              <a:t>6</a:t>
+              <a:t>7</a:t>
             </a:fld>
             <a:endParaRPr dirty="0"/>
           </a:p>
@@ -8124,7 +8583,7 @@
 </p:sld>
 </file>
 
-<file path=ppt/slides/slide7.xml><?xml version="1.0" encoding="utf-8"?>
+<file path=ppt/slides/slide8.xml><?xml version="1.0" encoding="utf-8"?>
 <p:sld xmlns:a="http://schemas.openxmlformats.org/drawingml/2006/main" xmlns:r="http://schemas.openxmlformats.org/officeDocument/2006/relationships" xmlns:p="http://schemas.openxmlformats.org/presentationml/2006/main">
   <p:cSld>
     <p:spTree>
@@ -8309,7 +8768,7 @@
             </a:pPr>
             <a:fld id="{00000000-1234-1234-1234-123412341234}" type="slidenum">
               <a:rPr lang="en-US"/>
-              <a:t>7</a:t>
+              <a:t>8</a:t>
             </a:fld>
             <a:endParaRPr dirty="0"/>
           </a:p>
@@ -8323,7 +8782,7 @@
 </p:sld>
 </file>
 
-<file path=ppt/slides/slide8.xml><?xml version="1.0" encoding="utf-8"?>
+<file path=ppt/slides/slide9.xml><?xml version="1.0" encoding="utf-8"?>
 <p:sld xmlns:a="http://schemas.openxmlformats.org/drawingml/2006/main" xmlns:r="http://schemas.openxmlformats.org/officeDocument/2006/relationships" xmlns:p="http://schemas.openxmlformats.org/presentationml/2006/main">
   <p:cSld>
     <p:spTree>
@@ -8446,250 +8905,6 @@
               <a:latin typeface="Times New Roman" panose="02020603050405020304" pitchFamily="18" charset="0"/>
               <a:ea typeface="Times New Roman" panose="02020603050405020304"/>
               <a:cs typeface="Times New Roman" panose="02020603050405020304" pitchFamily="18" charset="0"/>
-              <a:sym typeface="Times New Roman" panose="02020603050405020304"/>
-            </a:endParaRPr>
-          </a:p>
-        </p:txBody>
-      </p:sp>
-      <p:sp>
-        <p:nvSpPr>
-          <p:cNvPr id="79" name="Google Shape;79;p2"/>
-          <p:cNvSpPr txBox="1">
-            <a:spLocks noGrp="1"/>
-          </p:cNvSpPr>
-          <p:nvPr>
-            <p:ph type="sldNum" idx="12"/>
-          </p:nvPr>
-        </p:nvSpPr>
-        <p:spPr>
-          <a:xfrm>
-            <a:off x="6553200" y="6356350"/>
-            <a:ext cx="2133600" cy="365125"/>
-          </a:xfrm>
-          <a:prstGeom prst="rect">
-            <a:avLst/>
-          </a:prstGeom>
-          <a:noFill/>
-          <a:ln>
-            <a:noFill/>
-          </a:ln>
-        </p:spPr>
-        <p:txBody>
-          <a:bodyPr spcFirstLastPara="1" wrap="square" lIns="91425" tIns="45700" rIns="91425" bIns="45700" anchor="ctr" anchorCtr="0">
-            <a:noAutofit/>
-          </a:bodyPr>
-          <a:lstStyle/>
-          <a:p>
-            <a:pPr marL="0" lvl="0" indent="0" algn="r" rtl="0">
-              <a:lnSpc>
-                <a:spcPct val="100000"/>
-              </a:lnSpc>
-              <a:spcBef>
-                <a:spcPts val="0"/>
-              </a:spcBef>
-              <a:spcAft>
-                <a:spcPts val="0"/>
-              </a:spcAft>
-              <a:buSzPts val="1200"/>
-              <a:buNone/>
-            </a:pPr>
-            <a:fld id="{00000000-1234-1234-1234-123412341234}" type="slidenum">
-              <a:rPr lang="en-US"/>
-              <a:t>8</a:t>
-            </a:fld>
-            <a:endParaRPr lang="en-US"/>
-          </a:p>
-        </p:txBody>
-      </p:sp>
-    </p:spTree>
-  </p:cSld>
-  <p:clrMapOvr>
-    <a:masterClrMapping/>
-  </p:clrMapOvr>
-</p:sld>
-</file>
-
-<file path=ppt/slides/slide9.xml><?xml version="1.0" encoding="utf-8"?>
-<p:sld xmlns:a="http://schemas.openxmlformats.org/drawingml/2006/main" xmlns:r="http://schemas.openxmlformats.org/officeDocument/2006/relationships" xmlns:p="http://schemas.openxmlformats.org/presentationml/2006/main">
-  <p:cSld>
-    <p:spTree>
-      <p:nvGrpSpPr>
-        <p:cNvPr id="1" name="Shape 76"/>
-        <p:cNvGrpSpPr/>
-        <p:nvPr/>
-      </p:nvGrpSpPr>
-      <p:grpSpPr>
-        <a:xfrm>
-          <a:off x="0" y="0"/>
-          <a:ext cx="0" cy="0"/>
-          <a:chOff x="0" y="0"/>
-          <a:chExt cx="0" cy="0"/>
-        </a:xfrm>
-      </p:grpSpPr>
-      <p:sp>
-        <p:nvSpPr>
-          <p:cNvPr id="77" name="Google Shape;77;p2"/>
-          <p:cNvSpPr txBox="1">
-            <a:spLocks noGrp="1"/>
-          </p:cNvSpPr>
-          <p:nvPr>
-            <p:ph type="title"/>
-          </p:nvPr>
-        </p:nvSpPr>
-        <p:spPr>
-          <a:xfrm>
-            <a:off x="0" y="1"/>
-            <a:ext cx="6553200" cy="815248"/>
-          </a:xfrm>
-          <a:prstGeom prst="rect">
-            <a:avLst/>
-          </a:prstGeom>
-          <a:noFill/>
-          <a:ln>
-            <a:noFill/>
-          </a:ln>
-        </p:spPr>
-        <p:txBody>
-          <a:bodyPr spcFirstLastPara="1" wrap="square" lIns="91425" tIns="45700" rIns="91425" bIns="45700" anchor="ctr" anchorCtr="0">
-            <a:noAutofit/>
-          </a:bodyPr>
-          <a:lstStyle/>
-          <a:p>
-            <a:pPr marL="0" lvl="0" indent="0" algn="ctr" rtl="0">
-              <a:lnSpc>
-                <a:spcPct val="100000"/>
-              </a:lnSpc>
-              <a:spcBef>
-                <a:spcPts val="0"/>
-              </a:spcBef>
-              <a:spcAft>
-                <a:spcPts val="0"/>
-              </a:spcAft>
-              <a:buSzPts val="1400"/>
-              <a:buNone/>
-            </a:pPr>
-            <a:r>
-              <a:rPr lang="en-US" sz="3200" b="1" dirty="0">
-                <a:solidFill>
-                  <a:srgbClr val="0C0C0C"/>
-                </a:solidFill>
-                <a:latin typeface="Times New Roman" panose="02020603050405020304"/>
-                <a:ea typeface="Times New Roman" panose="02020603050405020304"/>
-                <a:cs typeface="Times New Roman" panose="02020603050405020304"/>
-                <a:sym typeface="Times New Roman" panose="02020603050405020304"/>
-              </a:rPr>
-              <a:t>References</a:t>
-            </a:r>
-            <a:endParaRPr sz="3200" b="1" dirty="0">
-              <a:solidFill>
-                <a:srgbClr val="0C0C0C"/>
-              </a:solidFill>
-              <a:latin typeface="Times New Roman" panose="02020603050405020304"/>
-              <a:ea typeface="Times New Roman" panose="02020603050405020304"/>
-              <a:cs typeface="Times New Roman" panose="02020603050405020304"/>
-              <a:sym typeface="Times New Roman" panose="02020603050405020304"/>
-            </a:endParaRPr>
-          </a:p>
-        </p:txBody>
-      </p:sp>
-      <p:sp>
-        <p:nvSpPr>
-          <p:cNvPr id="78" name="Google Shape;78;p2"/>
-          <p:cNvSpPr txBox="1">
-            <a:spLocks noGrp="1"/>
-          </p:cNvSpPr>
-          <p:nvPr>
-            <p:ph type="body" idx="1"/>
-          </p:nvPr>
-        </p:nvSpPr>
-        <p:spPr>
-          <a:xfrm>
-            <a:off x="164891" y="2038120"/>
-            <a:ext cx="8844197" cy="4318230"/>
-          </a:xfrm>
-          <a:prstGeom prst="rect">
-            <a:avLst/>
-          </a:prstGeom>
-          <a:noFill/>
-          <a:ln>
-            <a:noFill/>
-          </a:ln>
-        </p:spPr>
-        <p:txBody>
-          <a:bodyPr spcFirstLastPara="1" wrap="square" lIns="91425" tIns="45700" rIns="91425" bIns="45700" anchor="t" anchorCtr="0">
-            <a:noAutofit/>
-          </a:bodyPr>
-          <a:lstStyle/>
-          <a:p>
-            <a:pPr lvl="0">
-              <a:buFont typeface="Wingdings" panose="05000000000000000000" pitchFamily="2" charset="2"/>
-              <a:buChar char="q"/>
-            </a:pPr>
-            <a:r>
-              <a:rPr lang="en-IN" sz="2400" dirty="0">
-                <a:hlinkClick r:id="rId3"/>
-              </a:rPr>
-              <a:t>Build a Smart Expense Tracker with Java, Spring Boot &amp; OpenAI GPT: A Full Guide | by Lahiru Sandaruwan </a:t>
-            </a:r>
-            <a:r>
-              <a:rPr lang="en-IN" sz="2400" dirty="0" err="1">
-                <a:hlinkClick r:id="rId3"/>
-              </a:rPr>
-              <a:t>Premathilaka</a:t>
-            </a:r>
-            <a:r>
-              <a:rPr lang="en-IN" sz="2400" dirty="0">
-                <a:hlinkClick r:id="rId3"/>
-              </a:rPr>
-              <a:t> | Medium</a:t>
-            </a:r>
-            <a:endParaRPr lang="en-IN" sz="2400" dirty="0">
-              <a:latin typeface="Times New Roman" panose="02020603050405020304"/>
-              <a:ea typeface="Times New Roman" panose="02020603050405020304"/>
-              <a:cs typeface="Times New Roman" panose="02020603050405020304"/>
-              <a:sym typeface="Times New Roman" panose="02020603050405020304"/>
-              <a:hlinkClick r:id="rId4"/>
-            </a:endParaRPr>
-          </a:p>
-          <a:p>
-            <a:pPr lvl="0">
-              <a:buFont typeface="Wingdings" panose="05000000000000000000" pitchFamily="2" charset="2"/>
-              <a:buChar char="q"/>
-            </a:pPr>
-            <a:r>
-              <a:rPr lang="en-US" sz="2400" dirty="0">
-                <a:hlinkClick r:id="rId5"/>
-              </a:rPr>
-              <a:t>Daily Expense Tracker System In Spring Boot and Hibernate With Source Code – </a:t>
-            </a:r>
-            <a:r>
-              <a:rPr lang="en-US" sz="2400" dirty="0" err="1">
-                <a:hlinkClick r:id="rId5"/>
-              </a:rPr>
-              <a:t>Codebun</a:t>
-            </a:r>
-            <a:endParaRPr lang="en-IN" sz="2400" dirty="0">
-              <a:latin typeface="Times New Roman" panose="02020603050405020304"/>
-              <a:ea typeface="Times New Roman" panose="02020603050405020304"/>
-              <a:cs typeface="Times New Roman" panose="02020603050405020304"/>
-              <a:sym typeface="Times New Roman" panose="02020603050405020304"/>
-            </a:endParaRPr>
-          </a:p>
-          <a:p>
-            <a:pPr lvl="0">
-              <a:buFont typeface="Wingdings" panose="05000000000000000000" pitchFamily="2" charset="2"/>
-              <a:buChar char="q"/>
-            </a:pPr>
-            <a:r>
-              <a:rPr lang="en-US" sz="2400" dirty="0">
-                <a:hlinkClick r:id="rId6"/>
-              </a:rPr>
-              <a:t>Spring Boot Project | Expense Tracker | Spring Boot Full Course | Project - 1</a:t>
-            </a:r>
-            <a:endParaRPr sz="2000" dirty="0">
-              <a:latin typeface="Times New Roman" panose="02020603050405020304"/>
-              <a:ea typeface="Times New Roman" panose="02020603050405020304"/>
-              <a:cs typeface="Times New Roman" panose="02020603050405020304"/>
               <a:sym typeface="Times New Roman" panose="02020603050405020304"/>
             </a:endParaRPr>
           </a:p>

--- a/Docsx/APC - ppt.pptx
+++ b/Docsx/APC - ppt.pptx
@@ -7724,7 +7724,12 @@
             <p:ph type="body" idx="1"/>
           </p:nvPr>
         </p:nvSpPr>
-        <p:spPr/>
+        <p:spPr>
+          <a:xfrm>
+            <a:off x="469392" y="1371600"/>
+            <a:ext cx="8229600" cy="4525963"/>
+          </a:xfrm>
+        </p:spPr>
         <p:txBody>
           <a:bodyPr/>
           <a:lstStyle/>
@@ -7778,7 +7783,12 @@
             <p:ph type="sldNum" idx="12"/>
           </p:nvPr>
         </p:nvSpPr>
-        <p:spPr/>
+        <p:spPr>
+          <a:xfrm>
+            <a:off x="6565392" y="6356350"/>
+            <a:ext cx="2133600" cy="365125"/>
+          </a:xfrm>
+        </p:spPr>
         <p:txBody>
           <a:bodyPr/>
           <a:lstStyle/>
@@ -7897,15 +7907,7 @@
             </a:r>
             <a:r>
               <a:rPr lang="en-US" sz="2000" dirty="0"/>
-              <a:t> - Handles HTTP requests for </a:t>
-            </a:r>
-            <a:r>
-              <a:rPr lang="en-US" sz="2000" dirty="0" err="1"/>
-              <a:t>companymanagement</a:t>
-            </a:r>
-            <a:r>
-              <a:rPr lang="en-US" sz="2000" dirty="0"/>
-              <a:t> operations at /</a:t>
+              <a:t> - Handles HTTP requests for company management operations at /</a:t>
             </a:r>
             <a:r>
               <a:rPr lang="en-US" sz="2000" dirty="0" err="1"/>
@@ -7928,60 +7930,24 @@
           </a:p>
           <a:p>
             <a:r>
-              <a:rPr lang="en-US" sz="2000" b="1" dirty="0"/>
-              <a:t>Standard HTTP Methods</a:t>
+              <a:rPr lang="en-IN" sz="2000" b="1" dirty="0"/>
+              <a:t>Multi Company Management – </a:t>
             </a:r>
             <a:r>
-              <a:rPr lang="en-US" sz="2000" dirty="0"/>
-              <a:t> - Maps POST (create), GET (read), PUT (update), DELETE (remove) operations with appropriate response codes</a:t>
+              <a:rPr lang="en-IN" sz="2000" dirty="0"/>
+              <a:t>Able to create and manage multiple companies assigned to user</a:t>
             </a:r>
           </a:p>
           <a:p>
             <a:r>
-              <a:rPr lang="en-US" sz="2000" dirty="0"/>
-              <a:t> </a:t>
+              <a:rPr lang="en-IN" sz="2000" b="1" dirty="0"/>
+              <a:t>Expense Creation – </a:t>
             </a:r>
             <a:r>
-              <a:rPr lang="en-US" sz="2000" b="1" dirty="0"/>
-              <a:t>Path Variable Support</a:t>
+              <a:rPr lang="en-IN" sz="2000" dirty="0"/>
+              <a:t>Create expense records with details include amount, description, category, data and associated company</a:t>
             </a:r>
-            <a:r>
-              <a:rPr lang="en-US" sz="2000" dirty="0"/>
-              <a:t> - Uses /{id} for specific company operations and supports both single company and all companies retrieval</a:t>
-            </a:r>
-          </a:p>
-          <a:p>
-            <a:r>
-              <a:rPr lang="en-US" sz="2000" b="1" dirty="0"/>
-              <a:t>DTO Pattern Implementation</a:t>
-            </a:r>
-            <a:r>
-              <a:rPr lang="en-US" sz="2000" dirty="0"/>
-              <a:t> - Uses </a:t>
-            </a:r>
-            <a:r>
-              <a:rPr lang="en-US" sz="2000" u="sng" dirty="0" err="1">
-                <a:hlinkClick r:id="rId2"/>
-              </a:rPr>
-              <a:t>CompanyDto</a:t>
-            </a:r>
-            <a:r>
-              <a:rPr lang="en-US" sz="2000" dirty="0"/>
-              <a:t> for data transfer, delegating business logic to </a:t>
-            </a:r>
-            <a:r>
-              <a:rPr lang="en-US" sz="2000" u="sng" dirty="0" err="1">
-                <a:hlinkClick r:id="rId2"/>
-              </a:rPr>
-              <a:t>CompanyService</a:t>
-            </a:r>
-            <a:r>
-              <a:rPr lang="en-US" sz="2000" dirty="0"/>
-              <a:t> layer for clean separation of concerns</a:t>
-            </a:r>
-          </a:p>
-          <a:p>
-            <a:endParaRPr lang="en-IN" sz="2000" dirty="0"/>
+            <a:endParaRPr lang="en-IN" sz="2000" b="1" dirty="0"/>
           </a:p>
         </p:txBody>
       </p:sp>
